--- a/3_Presentations/Presentation template.pptx
+++ b/3_Presentations/Presentation template.pptx
@@ -423,22 +423,6 @@
             <ac:spMk id="23" creationId="{6EA0442D-BBB2-ADD2-0E46-E97A2C5F0BB0}"/>
           </ac:spMkLst>
         </pc:spChg>
-        <pc:cxnChg chg="add del mod">
-          <ac:chgData name="Federico De Mita" userId="6ce638df-d46f-4fb8-b9fa-d85fcdec2cd5" providerId="ADAL" clId="{7F647D34-D33E-48E0-A95C-ECB4D4FB2F80}" dt="2025-08-25T21:24:28.095" v="1402" actId="478"/>
-          <ac:cxnSpMkLst>
-            <pc:docMk/>
-            <pc:sldMk cId="3877941250" sldId="260"/>
-            <ac:cxnSpMk id="4" creationId="{849B67AA-4CD6-6D33-B95B-5FB57A5302E4}"/>
-          </ac:cxnSpMkLst>
-        </pc:cxnChg>
-        <pc:cxnChg chg="add del">
-          <ac:chgData name="Federico De Mita" userId="6ce638df-d46f-4fb8-b9fa-d85fcdec2cd5" providerId="ADAL" clId="{7F647D34-D33E-48E0-A95C-ECB4D4FB2F80}" dt="2025-08-25T21:24:36.243" v="1404" actId="478"/>
-          <ac:cxnSpMkLst>
-            <pc:docMk/>
-            <pc:sldMk cId="3877941250" sldId="260"/>
-            <ac:cxnSpMk id="20" creationId="{479BC082-9309-0708-1ABC-3BEEC885940E}"/>
-          </ac:cxnSpMkLst>
-        </pc:cxnChg>
         <pc:cxnChg chg="add mod">
           <ac:chgData name="Federico De Mita" userId="6ce638df-d46f-4fb8-b9fa-d85fcdec2cd5" providerId="ADAL" clId="{7F647D34-D33E-48E0-A95C-ECB4D4FB2F80}" dt="2025-08-25T21:25:12.534" v="1414" actId="14100"/>
           <ac:cxnSpMkLst>
@@ -483,14 +467,6 @@
             <pc:docMk/>
             <pc:sldMk cId="1454698392" sldId="261"/>
             <ac:spMk id="16" creationId="{EDCED80B-D67B-CFA0-2004-00811D4AD2C1}"/>
-          </ac:spMkLst>
-        </pc:spChg>
-        <pc:spChg chg="del mod">
-          <ac:chgData name="Federico De Mita" userId="6ce638df-d46f-4fb8-b9fa-d85fcdec2cd5" providerId="ADAL" clId="{7F647D34-D33E-48E0-A95C-ECB4D4FB2F80}" dt="2025-08-25T20:44:47.090" v="419"/>
-          <ac:spMkLst>
-            <pc:docMk/>
-            <pc:sldMk cId="1454698392" sldId="261"/>
-            <ac:spMk id="19" creationId="{459DFAEE-2103-652A-815F-B3AA11C34010}"/>
           </ac:spMkLst>
         </pc:spChg>
         <pc:picChg chg="add mod">
@@ -828,7 +804,7 @@
           <a:p>
             <a:fld id="{F652B7C8-164C-4140-932B-122F288D33CD}" type="datetimeFigureOut">
               <a:rPr lang="en-GB" smtClean="0"/>
-              <a:t>26/08/2025</a:t>
+              <a:t>09/09/2025</a:t>
             </a:fld>
             <a:endParaRPr lang="en-GB"/>
           </a:p>
@@ -1326,7 +1302,7 @@
           <a:p>
             <a:fld id="{A442582E-7652-4336-8F82-B8F78DEBE1E6}" type="datetime1">
               <a:rPr lang="en-GB" smtClean="0"/>
-              <a:t>26/08/2025</a:t>
+              <a:t>09/09/2025</a:t>
             </a:fld>
             <a:endParaRPr lang="en-GB"/>
           </a:p>
@@ -1509,7 +1485,7 @@
           <a:p>
             <a:fld id="{C6E4C014-E638-4D69-B7E7-9E0555AE7620}" type="datetime1">
               <a:rPr lang="en-GB" smtClean="0"/>
-              <a:t>26/08/2025</a:t>
+              <a:t>09/09/2025</a:t>
             </a:fld>
             <a:endParaRPr lang="en-GB"/>
           </a:p>
@@ -1717,7 +1693,7 @@
           <a:p>
             <a:fld id="{3F55F2F9-D101-4F42-A846-5D94E4802AD7}" type="datetime1">
               <a:rPr lang="en-GB" smtClean="0"/>
-              <a:t>26/08/2025</a:t>
+              <a:t>09/09/2025</a:t>
             </a:fld>
             <a:endParaRPr lang="en-GB"/>
           </a:p>
@@ -1937,7 +1913,7 @@
           <a:p>
             <a:fld id="{B8D3EC99-01D5-4EE5-ACB1-C061987EA0AA}" type="datetimeFigureOut">
               <a:rPr lang="en-GB" smtClean="0"/>
-              <a:t>26/08/2025</a:t>
+              <a:t>09/09/2025</a:t>
             </a:fld>
             <a:endParaRPr lang="en-GB"/>
           </a:p>
@@ -2135,7 +2111,7 @@
           <a:p>
             <a:fld id="{B8D3EC99-01D5-4EE5-ACB1-C061987EA0AA}" type="datetimeFigureOut">
               <a:rPr lang="en-GB" smtClean="0"/>
-              <a:t>26/08/2025</a:t>
+              <a:t>09/09/2025</a:t>
             </a:fld>
             <a:endParaRPr lang="en-GB"/>
           </a:p>
@@ -2410,7 +2386,7 @@
           <a:p>
             <a:fld id="{B8D3EC99-01D5-4EE5-ACB1-C061987EA0AA}" type="datetimeFigureOut">
               <a:rPr lang="en-GB" smtClean="0"/>
-              <a:t>26/08/2025</a:t>
+              <a:t>09/09/2025</a:t>
             </a:fld>
             <a:endParaRPr lang="en-GB"/>
           </a:p>
@@ -2675,7 +2651,7 @@
           <a:p>
             <a:fld id="{B8D3EC99-01D5-4EE5-ACB1-C061987EA0AA}" type="datetimeFigureOut">
               <a:rPr lang="en-GB" smtClean="0"/>
-              <a:t>26/08/2025</a:t>
+              <a:t>09/09/2025</a:t>
             </a:fld>
             <a:endParaRPr lang="en-GB"/>
           </a:p>
@@ -3087,7 +3063,7 @@
           <a:p>
             <a:fld id="{B8D3EC99-01D5-4EE5-ACB1-C061987EA0AA}" type="datetimeFigureOut">
               <a:rPr lang="en-GB" smtClean="0"/>
-              <a:t>26/08/2025</a:t>
+              <a:t>09/09/2025</a:t>
             </a:fld>
             <a:endParaRPr lang="en-GB"/>
           </a:p>
@@ -3228,7 +3204,7 @@
           <a:p>
             <a:fld id="{B8D3EC99-01D5-4EE5-ACB1-C061987EA0AA}" type="datetimeFigureOut">
               <a:rPr lang="en-GB" smtClean="0"/>
-              <a:t>26/08/2025</a:t>
+              <a:t>09/09/2025</a:t>
             </a:fld>
             <a:endParaRPr lang="en-GB"/>
           </a:p>
@@ -3341,7 +3317,7 @@
           <a:p>
             <a:fld id="{B8D3EC99-01D5-4EE5-ACB1-C061987EA0AA}" type="datetimeFigureOut">
               <a:rPr lang="en-GB" smtClean="0"/>
-              <a:t>26/08/2025</a:t>
+              <a:t>09/09/2025</a:t>
             </a:fld>
             <a:endParaRPr lang="en-GB"/>
           </a:p>
@@ -3652,7 +3628,7 @@
           <a:p>
             <a:fld id="{B8D3EC99-01D5-4EE5-ACB1-C061987EA0AA}" type="datetimeFigureOut">
               <a:rPr lang="en-GB" smtClean="0"/>
-              <a:t>26/08/2025</a:t>
+              <a:t>09/09/2025</a:t>
             </a:fld>
             <a:endParaRPr lang="en-GB"/>
           </a:p>
@@ -3850,7 +3826,7 @@
           <a:p>
             <a:fld id="{2521100E-89DB-4D21-B66A-B5E24FA59FB2}" type="datetime1">
               <a:rPr lang="en-GB" smtClean="0"/>
-              <a:t>26/08/2025</a:t>
+              <a:t>09/09/2025</a:t>
             </a:fld>
             <a:endParaRPr lang="en-GB"/>
           </a:p>
@@ -4118,7 +4094,7 @@
           <a:p>
             <a:fld id="{B8D3EC99-01D5-4EE5-ACB1-C061987EA0AA}" type="datetimeFigureOut">
               <a:rPr lang="en-GB" smtClean="0"/>
-              <a:t>26/08/2025</a:t>
+              <a:t>09/09/2025</a:t>
             </a:fld>
             <a:endParaRPr lang="en-GB"/>
           </a:p>
@@ -4316,7 +4292,7 @@
           <a:p>
             <a:fld id="{B8D3EC99-01D5-4EE5-ACB1-C061987EA0AA}" type="datetimeFigureOut">
               <a:rPr lang="en-GB" smtClean="0"/>
-              <a:t>26/08/2025</a:t>
+              <a:t>09/09/2025</a:t>
             </a:fld>
             <a:endParaRPr lang="en-GB"/>
           </a:p>
@@ -4524,7 +4500,7 @@
           <a:p>
             <a:fld id="{B8D3EC99-01D5-4EE5-ACB1-C061987EA0AA}" type="datetimeFigureOut">
               <a:rPr lang="en-GB" smtClean="0"/>
-              <a:t>26/08/2025</a:t>
+              <a:t>09/09/2025</a:t>
             </a:fld>
             <a:endParaRPr lang="en-GB"/>
           </a:p>
@@ -4799,7 +4775,7 @@
           <a:p>
             <a:fld id="{5537878B-5315-4496-8D10-2F17543DB034}" type="datetime1">
               <a:rPr lang="en-GB" smtClean="0"/>
-              <a:t>26/08/2025</a:t>
+              <a:t>09/09/2025</a:t>
             </a:fld>
             <a:endParaRPr lang="en-GB"/>
           </a:p>
@@ -5064,7 +5040,7 @@
           <a:p>
             <a:fld id="{DEBEA969-CEB0-4E87-8DDD-72161074DF01}" type="datetime1">
               <a:rPr lang="en-GB" smtClean="0"/>
-              <a:t>26/08/2025</a:t>
+              <a:t>09/09/2025</a:t>
             </a:fld>
             <a:endParaRPr lang="en-GB"/>
           </a:p>
@@ -5476,7 +5452,7 @@
           <a:p>
             <a:fld id="{6335A96A-71C8-435E-B03B-275B6E0D4AB2}" type="datetime1">
               <a:rPr lang="en-GB" smtClean="0"/>
-              <a:t>26/08/2025</a:t>
+              <a:t>09/09/2025</a:t>
             </a:fld>
             <a:endParaRPr lang="en-GB"/>
           </a:p>
@@ -5617,7 +5593,7 @@
           <a:p>
             <a:fld id="{9402E411-883A-45F0-8C4F-B0FE2C65FB28}" type="datetime1">
               <a:rPr lang="en-GB" smtClean="0"/>
-              <a:t>26/08/2025</a:t>
+              <a:t>09/09/2025</a:t>
             </a:fld>
             <a:endParaRPr lang="en-GB"/>
           </a:p>
@@ -5730,7 +5706,7 @@
           <a:p>
             <a:fld id="{986F6F48-3B55-4945-B23D-B0C51AFE28E6}" type="datetime1">
               <a:rPr lang="en-GB" smtClean="0"/>
-              <a:t>26/08/2025</a:t>
+              <a:t>09/09/2025</a:t>
             </a:fld>
             <a:endParaRPr lang="en-GB"/>
           </a:p>
@@ -6041,7 +6017,7 @@
           <a:p>
             <a:fld id="{86209ACC-63FA-4EE9-AE4D-ECCDA5B91432}" type="datetime1">
               <a:rPr lang="en-GB" smtClean="0"/>
-              <a:t>26/08/2025</a:t>
+              <a:t>09/09/2025</a:t>
             </a:fld>
             <a:endParaRPr lang="en-GB"/>
           </a:p>
@@ -6329,7 +6305,7 @@
           <a:p>
             <a:fld id="{F38D1FE4-6F4F-4845-8022-15597911E7C2}" type="datetime1">
               <a:rPr lang="en-GB" smtClean="0"/>
-              <a:t>26/08/2025</a:t>
+              <a:t>09/09/2025</a:t>
             </a:fld>
             <a:endParaRPr lang="en-GB"/>
           </a:p>
@@ -6570,7 +6546,7 @@
           <a:p>
             <a:fld id="{C1516A2C-1914-4EE9-9598-2A06F9BE67BF}" type="datetime1">
               <a:rPr lang="en-GB" smtClean="0"/>
-              <a:t>26/08/2025</a:t>
+              <a:t>09/09/2025</a:t>
             </a:fld>
             <a:endParaRPr lang="en-GB"/>
           </a:p>
@@ -7139,7 +7115,7 @@
           <a:p>
             <a:fld id="{B8D3EC99-01D5-4EE5-ACB1-C061987EA0AA}" type="datetimeFigureOut">
               <a:rPr lang="en-GB" smtClean="0"/>
-              <a:t>26/08/2025</a:t>
+              <a:t>09/09/2025</a:t>
             </a:fld>
             <a:endParaRPr lang="en-GB"/>
           </a:p>

--- a/3_Presentations/Presentation template.pptx
+++ b/3_Presentations/Presentation template.pptx
@@ -141,14 +141,6 @@
     </p:ext>
   </p:extLst>
 </p:presentation>
-</file>
-
-<file path=ppt/revisionInfo.xml><?xml version="1.0" encoding="utf-8"?>
-<p1510:revInfo xmlns:a="http://schemas.openxmlformats.org/drawingml/2006/main" xmlns:r="http://schemas.openxmlformats.org/officeDocument/2006/relationships" xmlns:p1510="http://schemas.microsoft.com/office/powerpoint/2015/10/main">
-  <p1510:revLst>
-    <p1510:client id="{7F647D34-D33E-48E0-A95C-ECB4D4FB2F80}" v="19" dt="2025-08-25T21:26:47.509"/>
-  </p1510:revLst>
-</p1510:revInfo>
 </file>
 
 <file path=ppt/changesInfos/changesInfo1.xml><?xml version="1.0" encoding="utf-8"?>
@@ -804,7 +796,7 @@
           <a:p>
             <a:fld id="{F652B7C8-164C-4140-932B-122F288D33CD}" type="datetimeFigureOut">
               <a:rPr lang="en-GB" smtClean="0"/>
-              <a:t>09/09/2025</a:t>
+              <a:t>26/09/2025</a:t>
             </a:fld>
             <a:endParaRPr lang="en-GB"/>
           </a:p>
@@ -962,7 +954,7 @@
           <a:p>
             <a:fld id="{CA23327E-A3FE-4279-B080-AD6DAF9EDC39}" type="slidenum">
               <a:rPr lang="en-GB" smtClean="0"/>
-              <a:t>‹#›</a:t>
+              <a:t>‹Nr.›</a:t>
             </a:fld>
             <a:endParaRPr lang="en-GB"/>
           </a:p>
@@ -1302,7 +1294,7 @@
           <a:p>
             <a:fld id="{A442582E-7652-4336-8F82-B8F78DEBE1E6}" type="datetime1">
               <a:rPr lang="en-GB" smtClean="0"/>
-              <a:t>09/09/2025</a:t>
+              <a:t>26/09/2025</a:t>
             </a:fld>
             <a:endParaRPr lang="en-GB"/>
           </a:p>
@@ -1341,7 +1333,7 @@
             <a:fld id="{013F6232-4F06-48BA-8F69-BF531F607829}" type="slidenum">
               <a:rPr lang="en-GB" smtClean="0"/>
               <a:pPr/>
-              <a:t>‹#›</a:t>
+              <a:t>‹Nr.›</a:t>
             </a:fld>
             <a:endParaRPr lang="en-GB" dirty="0"/>
           </a:p>
@@ -1485,7 +1477,7 @@
           <a:p>
             <a:fld id="{C6E4C014-E638-4D69-B7E7-9E0555AE7620}" type="datetime1">
               <a:rPr lang="en-GB" smtClean="0"/>
-              <a:t>09/09/2025</a:t>
+              <a:t>26/09/2025</a:t>
             </a:fld>
             <a:endParaRPr lang="en-GB"/>
           </a:p>
@@ -1539,7 +1531,7 @@
           <a:p>
             <a:fld id="{013F6232-4F06-48BA-8F69-BF531F607829}" type="slidenum">
               <a:rPr lang="en-GB" smtClean="0"/>
-              <a:t>‹#›</a:t>
+              <a:t>‹Nr.›</a:t>
             </a:fld>
             <a:endParaRPr lang="en-GB"/>
           </a:p>
@@ -1693,7 +1685,7 @@
           <a:p>
             <a:fld id="{3F55F2F9-D101-4F42-A846-5D94E4802AD7}" type="datetime1">
               <a:rPr lang="en-GB" smtClean="0"/>
-              <a:t>09/09/2025</a:t>
+              <a:t>26/09/2025</a:t>
             </a:fld>
             <a:endParaRPr lang="en-GB"/>
           </a:p>
@@ -1747,7 +1739,7 @@
           <a:p>
             <a:fld id="{013F6232-4F06-48BA-8F69-BF531F607829}" type="slidenum">
               <a:rPr lang="en-GB" smtClean="0"/>
-              <a:t>‹#›</a:t>
+              <a:t>‹Nr.›</a:t>
             </a:fld>
             <a:endParaRPr lang="en-GB"/>
           </a:p>
@@ -1913,7 +1905,7 @@
           <a:p>
             <a:fld id="{B8D3EC99-01D5-4EE5-ACB1-C061987EA0AA}" type="datetimeFigureOut">
               <a:rPr lang="en-GB" smtClean="0"/>
-              <a:t>09/09/2025</a:t>
+              <a:t>26/09/2025</a:t>
             </a:fld>
             <a:endParaRPr lang="en-GB"/>
           </a:p>
@@ -1967,7 +1959,7 @@
           <a:p>
             <a:fld id="{B126457B-11B5-4397-9456-911FAE9FD3F4}" type="slidenum">
               <a:rPr lang="en-GB" smtClean="0"/>
-              <a:t>‹#›</a:t>
+              <a:t>‹Nr.›</a:t>
             </a:fld>
             <a:endParaRPr lang="en-GB"/>
           </a:p>
@@ -2111,7 +2103,7 @@
           <a:p>
             <a:fld id="{B8D3EC99-01D5-4EE5-ACB1-C061987EA0AA}" type="datetimeFigureOut">
               <a:rPr lang="en-GB" smtClean="0"/>
-              <a:t>09/09/2025</a:t>
+              <a:t>26/09/2025</a:t>
             </a:fld>
             <a:endParaRPr lang="en-GB"/>
           </a:p>
@@ -2165,7 +2157,7 @@
           <a:p>
             <a:fld id="{B126457B-11B5-4397-9456-911FAE9FD3F4}" type="slidenum">
               <a:rPr lang="en-GB" smtClean="0"/>
-              <a:t>‹#›</a:t>
+              <a:t>‹Nr.›</a:t>
             </a:fld>
             <a:endParaRPr lang="en-GB"/>
           </a:p>
@@ -2386,7 +2378,7 @@
           <a:p>
             <a:fld id="{B8D3EC99-01D5-4EE5-ACB1-C061987EA0AA}" type="datetimeFigureOut">
               <a:rPr lang="en-GB" smtClean="0"/>
-              <a:t>09/09/2025</a:t>
+              <a:t>26/09/2025</a:t>
             </a:fld>
             <a:endParaRPr lang="en-GB"/>
           </a:p>
@@ -2440,7 +2432,7 @@
           <a:p>
             <a:fld id="{B126457B-11B5-4397-9456-911FAE9FD3F4}" type="slidenum">
               <a:rPr lang="en-GB" smtClean="0"/>
-              <a:t>‹#›</a:t>
+              <a:t>‹Nr.›</a:t>
             </a:fld>
             <a:endParaRPr lang="en-GB"/>
           </a:p>
@@ -2651,7 +2643,7 @@
           <a:p>
             <a:fld id="{B8D3EC99-01D5-4EE5-ACB1-C061987EA0AA}" type="datetimeFigureOut">
               <a:rPr lang="en-GB" smtClean="0"/>
-              <a:t>09/09/2025</a:t>
+              <a:t>26/09/2025</a:t>
             </a:fld>
             <a:endParaRPr lang="en-GB"/>
           </a:p>
@@ -2705,7 +2697,7 @@
           <a:p>
             <a:fld id="{B126457B-11B5-4397-9456-911FAE9FD3F4}" type="slidenum">
               <a:rPr lang="en-GB" smtClean="0"/>
-              <a:t>‹#›</a:t>
+              <a:t>‹Nr.›</a:t>
             </a:fld>
             <a:endParaRPr lang="en-GB"/>
           </a:p>
@@ -3063,7 +3055,7 @@
           <a:p>
             <a:fld id="{B8D3EC99-01D5-4EE5-ACB1-C061987EA0AA}" type="datetimeFigureOut">
               <a:rPr lang="en-GB" smtClean="0"/>
-              <a:t>09/09/2025</a:t>
+              <a:t>26/09/2025</a:t>
             </a:fld>
             <a:endParaRPr lang="en-GB"/>
           </a:p>
@@ -3117,7 +3109,7 @@
           <a:p>
             <a:fld id="{B126457B-11B5-4397-9456-911FAE9FD3F4}" type="slidenum">
               <a:rPr lang="en-GB" smtClean="0"/>
-              <a:t>‹#›</a:t>
+              <a:t>‹Nr.›</a:t>
             </a:fld>
             <a:endParaRPr lang="en-GB"/>
           </a:p>
@@ -3204,7 +3196,7 @@
           <a:p>
             <a:fld id="{B8D3EC99-01D5-4EE5-ACB1-C061987EA0AA}" type="datetimeFigureOut">
               <a:rPr lang="en-GB" smtClean="0"/>
-              <a:t>09/09/2025</a:t>
+              <a:t>26/09/2025</a:t>
             </a:fld>
             <a:endParaRPr lang="en-GB"/>
           </a:p>
@@ -3258,7 +3250,7 @@
           <a:p>
             <a:fld id="{B126457B-11B5-4397-9456-911FAE9FD3F4}" type="slidenum">
               <a:rPr lang="en-GB" smtClean="0"/>
-              <a:t>‹#›</a:t>
+              <a:t>‹Nr.›</a:t>
             </a:fld>
             <a:endParaRPr lang="en-GB"/>
           </a:p>
@@ -3317,7 +3309,7 @@
           <a:p>
             <a:fld id="{B8D3EC99-01D5-4EE5-ACB1-C061987EA0AA}" type="datetimeFigureOut">
               <a:rPr lang="en-GB" smtClean="0"/>
-              <a:t>09/09/2025</a:t>
+              <a:t>26/09/2025</a:t>
             </a:fld>
             <a:endParaRPr lang="en-GB"/>
           </a:p>
@@ -3371,7 +3363,7 @@
           <a:p>
             <a:fld id="{B126457B-11B5-4397-9456-911FAE9FD3F4}" type="slidenum">
               <a:rPr lang="en-GB" smtClean="0"/>
-              <a:t>‹#›</a:t>
+              <a:t>‹Nr.›</a:t>
             </a:fld>
             <a:endParaRPr lang="en-GB"/>
           </a:p>
@@ -3628,7 +3620,7 @@
           <a:p>
             <a:fld id="{B8D3EC99-01D5-4EE5-ACB1-C061987EA0AA}" type="datetimeFigureOut">
               <a:rPr lang="en-GB" smtClean="0"/>
-              <a:t>09/09/2025</a:t>
+              <a:t>26/09/2025</a:t>
             </a:fld>
             <a:endParaRPr lang="en-GB"/>
           </a:p>
@@ -3682,7 +3674,7 @@
           <a:p>
             <a:fld id="{B126457B-11B5-4397-9456-911FAE9FD3F4}" type="slidenum">
               <a:rPr lang="en-GB" smtClean="0"/>
-              <a:t>‹#›</a:t>
+              <a:t>‹Nr.›</a:t>
             </a:fld>
             <a:endParaRPr lang="en-GB"/>
           </a:p>
@@ -3826,7 +3818,7 @@
           <a:p>
             <a:fld id="{2521100E-89DB-4D21-B66A-B5E24FA59FB2}" type="datetime1">
               <a:rPr lang="en-GB" smtClean="0"/>
-              <a:t>09/09/2025</a:t>
+              <a:t>26/09/2025</a:t>
             </a:fld>
             <a:endParaRPr lang="en-GB"/>
           </a:p>
@@ -3860,7 +3852,7 @@
           <a:p>
             <a:fld id="{013F6232-4F06-48BA-8F69-BF531F607829}" type="slidenum">
               <a:rPr lang="en-GB" smtClean="0"/>
-              <a:t>‹#›</a:t>
+              <a:t>‹Nr.›</a:t>
             </a:fld>
             <a:endParaRPr lang="en-GB"/>
           </a:p>
@@ -4094,7 +4086,7 @@
           <a:p>
             <a:fld id="{B8D3EC99-01D5-4EE5-ACB1-C061987EA0AA}" type="datetimeFigureOut">
               <a:rPr lang="en-GB" smtClean="0"/>
-              <a:t>09/09/2025</a:t>
+              <a:t>26/09/2025</a:t>
             </a:fld>
             <a:endParaRPr lang="en-GB"/>
           </a:p>
@@ -4148,7 +4140,7 @@
           <a:p>
             <a:fld id="{B126457B-11B5-4397-9456-911FAE9FD3F4}" type="slidenum">
               <a:rPr lang="en-GB" smtClean="0"/>
-              <a:t>‹#›</a:t>
+              <a:t>‹Nr.›</a:t>
             </a:fld>
             <a:endParaRPr lang="en-GB"/>
           </a:p>
@@ -4292,7 +4284,7 @@
           <a:p>
             <a:fld id="{B8D3EC99-01D5-4EE5-ACB1-C061987EA0AA}" type="datetimeFigureOut">
               <a:rPr lang="en-GB" smtClean="0"/>
-              <a:t>09/09/2025</a:t>
+              <a:t>26/09/2025</a:t>
             </a:fld>
             <a:endParaRPr lang="en-GB"/>
           </a:p>
@@ -4346,7 +4338,7 @@
           <a:p>
             <a:fld id="{B126457B-11B5-4397-9456-911FAE9FD3F4}" type="slidenum">
               <a:rPr lang="en-GB" smtClean="0"/>
-              <a:t>‹#›</a:t>
+              <a:t>‹Nr.›</a:t>
             </a:fld>
             <a:endParaRPr lang="en-GB"/>
           </a:p>
@@ -4500,7 +4492,7 @@
           <a:p>
             <a:fld id="{B8D3EC99-01D5-4EE5-ACB1-C061987EA0AA}" type="datetimeFigureOut">
               <a:rPr lang="en-GB" smtClean="0"/>
-              <a:t>09/09/2025</a:t>
+              <a:t>26/09/2025</a:t>
             </a:fld>
             <a:endParaRPr lang="en-GB"/>
           </a:p>
@@ -4554,7 +4546,7 @@
           <a:p>
             <a:fld id="{B126457B-11B5-4397-9456-911FAE9FD3F4}" type="slidenum">
               <a:rPr lang="en-GB" smtClean="0"/>
-              <a:t>‹#›</a:t>
+              <a:t>‹Nr.›</a:t>
             </a:fld>
             <a:endParaRPr lang="en-GB"/>
           </a:p>
@@ -4775,7 +4767,7 @@
           <a:p>
             <a:fld id="{5537878B-5315-4496-8D10-2F17543DB034}" type="datetime1">
               <a:rPr lang="en-GB" smtClean="0"/>
-              <a:t>09/09/2025</a:t>
+              <a:t>26/09/2025</a:t>
             </a:fld>
             <a:endParaRPr lang="en-GB"/>
           </a:p>
@@ -4829,7 +4821,7 @@
           <a:p>
             <a:fld id="{013F6232-4F06-48BA-8F69-BF531F607829}" type="slidenum">
               <a:rPr lang="en-GB" smtClean="0"/>
-              <a:t>‹#›</a:t>
+              <a:t>‹Nr.›</a:t>
             </a:fld>
             <a:endParaRPr lang="en-GB"/>
           </a:p>
@@ -5040,7 +5032,7 @@
           <a:p>
             <a:fld id="{DEBEA969-CEB0-4E87-8DDD-72161074DF01}" type="datetime1">
               <a:rPr lang="en-GB" smtClean="0"/>
-              <a:t>09/09/2025</a:t>
+              <a:t>26/09/2025</a:t>
             </a:fld>
             <a:endParaRPr lang="en-GB"/>
           </a:p>
@@ -5094,7 +5086,7 @@
           <a:p>
             <a:fld id="{013F6232-4F06-48BA-8F69-BF531F607829}" type="slidenum">
               <a:rPr lang="en-GB" smtClean="0"/>
-              <a:t>‹#›</a:t>
+              <a:t>‹Nr.›</a:t>
             </a:fld>
             <a:endParaRPr lang="en-GB"/>
           </a:p>
@@ -5452,7 +5444,7 @@
           <a:p>
             <a:fld id="{6335A96A-71C8-435E-B03B-275B6E0D4AB2}" type="datetime1">
               <a:rPr lang="en-GB" smtClean="0"/>
-              <a:t>09/09/2025</a:t>
+              <a:t>26/09/2025</a:t>
             </a:fld>
             <a:endParaRPr lang="en-GB"/>
           </a:p>
@@ -5506,7 +5498,7 @@
           <a:p>
             <a:fld id="{013F6232-4F06-48BA-8F69-BF531F607829}" type="slidenum">
               <a:rPr lang="en-GB" smtClean="0"/>
-              <a:t>‹#›</a:t>
+              <a:t>‹Nr.›</a:t>
             </a:fld>
             <a:endParaRPr lang="en-GB"/>
           </a:p>
@@ -5593,7 +5585,7 @@
           <a:p>
             <a:fld id="{9402E411-883A-45F0-8C4F-B0FE2C65FB28}" type="datetime1">
               <a:rPr lang="en-GB" smtClean="0"/>
-              <a:t>09/09/2025</a:t>
+              <a:t>26/09/2025</a:t>
             </a:fld>
             <a:endParaRPr lang="en-GB"/>
           </a:p>
@@ -5647,7 +5639,7 @@
           <a:p>
             <a:fld id="{013F6232-4F06-48BA-8F69-BF531F607829}" type="slidenum">
               <a:rPr lang="en-GB" smtClean="0"/>
-              <a:t>‹#›</a:t>
+              <a:t>‹Nr.›</a:t>
             </a:fld>
             <a:endParaRPr lang="en-GB"/>
           </a:p>
@@ -5706,7 +5698,7 @@
           <a:p>
             <a:fld id="{986F6F48-3B55-4945-B23D-B0C51AFE28E6}" type="datetime1">
               <a:rPr lang="en-GB" smtClean="0"/>
-              <a:t>09/09/2025</a:t>
+              <a:t>26/09/2025</a:t>
             </a:fld>
             <a:endParaRPr lang="en-GB"/>
           </a:p>
@@ -5760,7 +5752,7 @@
           <a:p>
             <a:fld id="{013F6232-4F06-48BA-8F69-BF531F607829}" type="slidenum">
               <a:rPr lang="en-GB" smtClean="0"/>
-              <a:t>‹#›</a:t>
+              <a:t>‹Nr.›</a:t>
             </a:fld>
             <a:endParaRPr lang="en-GB"/>
           </a:p>
@@ -6017,7 +6009,7 @@
           <a:p>
             <a:fld id="{86209ACC-63FA-4EE9-AE4D-ECCDA5B91432}" type="datetime1">
               <a:rPr lang="en-GB" smtClean="0"/>
-              <a:t>09/09/2025</a:t>
+              <a:t>26/09/2025</a:t>
             </a:fld>
             <a:endParaRPr lang="en-GB"/>
           </a:p>
@@ -6071,7 +6063,7 @@
           <a:p>
             <a:fld id="{013F6232-4F06-48BA-8F69-BF531F607829}" type="slidenum">
               <a:rPr lang="en-GB" smtClean="0"/>
-              <a:t>‹#›</a:t>
+              <a:t>‹Nr.›</a:t>
             </a:fld>
             <a:endParaRPr lang="en-GB"/>
           </a:p>
@@ -6305,7 +6297,7 @@
           <a:p>
             <a:fld id="{F38D1FE4-6F4F-4845-8022-15597911E7C2}" type="datetime1">
               <a:rPr lang="en-GB" smtClean="0"/>
-              <a:t>09/09/2025</a:t>
+              <a:t>26/09/2025</a:t>
             </a:fld>
             <a:endParaRPr lang="en-GB"/>
           </a:p>
@@ -6359,7 +6351,7 @@
           <a:p>
             <a:fld id="{013F6232-4F06-48BA-8F69-BF531F607829}" type="slidenum">
               <a:rPr lang="en-GB" smtClean="0"/>
-              <a:t>‹#›</a:t>
+              <a:t>‹Nr.›</a:t>
             </a:fld>
             <a:endParaRPr lang="en-GB"/>
           </a:p>
@@ -6546,7 +6538,7 @@
           <a:p>
             <a:fld id="{C1516A2C-1914-4EE9-9598-2A06F9BE67BF}" type="datetime1">
               <a:rPr lang="en-GB" smtClean="0"/>
-              <a:t>09/09/2025</a:t>
+              <a:t>26/09/2025</a:t>
             </a:fld>
             <a:endParaRPr lang="en-GB"/>
           </a:p>
@@ -6636,7 +6628,7 @@
           <a:p>
             <a:fld id="{013F6232-4F06-48BA-8F69-BF531F607829}" type="slidenum">
               <a:rPr lang="en-GB" smtClean="0"/>
-              <a:t>‹#›</a:t>
+              <a:t>‹Nr.›</a:t>
             </a:fld>
             <a:endParaRPr lang="en-GB"/>
           </a:p>
@@ -7115,7 +7107,7 @@
           <a:p>
             <a:fld id="{B8D3EC99-01D5-4EE5-ACB1-C061987EA0AA}" type="datetimeFigureOut">
               <a:rPr lang="en-GB" smtClean="0"/>
-              <a:t>09/09/2025</a:t>
+              <a:t>26/09/2025</a:t>
             </a:fld>
             <a:endParaRPr lang="en-GB"/>
           </a:p>
@@ -7205,7 +7197,7 @@
           <a:p>
             <a:fld id="{B126457B-11B5-4397-9456-911FAE9FD3F4}" type="slidenum">
               <a:rPr lang="en-GB" smtClean="0"/>
-              <a:t>‹#›</a:t>
+              <a:t>‹Nr.›</a:t>
             </a:fld>
             <a:endParaRPr lang="en-GB"/>
           </a:p>
@@ -18412,7 +18404,7 @@
   <wetp:taskpane dockstate="right" visibility="0" width="438" row="0">
     <wetp:webextensionref xmlns:r="http://schemas.openxmlformats.org/officeDocument/2006/relationships" r:id="rId1"/>
   </wetp:taskpane>
-  <wetp:taskpane dockstate="right" visibility="1" width="438" row="0">
+  <wetp:taskpane dockstate="right" visibility="1" width="700" row="0">
     <wetp:webextensionref xmlns:r="http://schemas.openxmlformats.org/officeDocument/2006/relationships" r:id="rId2"/>
   </wetp:taskpane>
 </wetp:taskpanes>
